--- a/Devoxx4Kids Mindstorms Workshop NL.pptx
+++ b/Devoxx4Kids Mindstorms Workshop NL.pptx
@@ -263,6 +263,10 @@
     </p:ext>
   </p:extLst>
 </p:presentation>
+</file>
+
+<file path=ppt/revisionInfo.xml><?xml version="1.0" encoding="utf-8"?>
+<p1510:revInfo xmlns:a="http://schemas.openxmlformats.org/drawingml/2006/main" xmlns:r="http://schemas.openxmlformats.org/officeDocument/2006/relationships" xmlns:p1510="http://schemas.microsoft.com/office/powerpoint/2015/10/main"/>
 </file>
 
 <file path=ppt/notesMasters/notesMaster1.xml><?xml version="1.0" encoding="utf-8"?>
@@ -13706,7 +13710,7 @@
             </a:pPr>
             <a:r>
               <a:rPr lang="nl-NL" dirty="0"/>
-              <a:t>1.  Laat de robot het </a:t>
+              <a:t>1. Laat de robot het </a:t>
             </a:r>
             <a:r>
               <a:rPr lang="nl-NL" dirty="0">
@@ -13806,8 +13810,8 @@
         </p:nvGrpSpPr>
         <p:grpSpPr>
           <a:xfrm>
-            <a:off x="2556803" y="2449349"/>
-            <a:ext cx="4030394" cy="2267097"/>
+            <a:off x="457200" y="2421213"/>
+            <a:ext cx="3295357" cy="1939771"/>
             <a:chOff x="2293033" y="2250390"/>
             <a:chExt cx="4030394" cy="2267097"/>
           </a:xfrm>
@@ -13891,6 +13895,148 @@
           </p:txBody>
         </p:sp>
       </p:grpSp>
+      <p:pic>
+        <p:nvPicPr>
+          <p:cNvPr id="2" name="Picture 1">
+            <a:extLst>
+              <a:ext uri="{FF2B5EF4-FFF2-40B4-BE49-F238E27FC236}">
+                <a16:creationId xmlns:a16="http://schemas.microsoft.com/office/drawing/2014/main" id="{BB7223D5-0FB2-4416-BD94-6CAD0B57A12A}"/>
+              </a:ext>
+            </a:extLst>
+          </p:cNvPr>
+          <p:cNvPicPr>
+            <a:picLocks noChangeAspect="1"/>
+          </p:cNvPicPr>
+          <p:nvPr/>
+        </p:nvPicPr>
+        <p:blipFill>
+          <a:blip r:embed="rId4"/>
+          <a:stretch>
+            <a:fillRect/>
+          </a:stretch>
+        </p:blipFill>
+        <p:spPr>
+          <a:xfrm>
+            <a:off x="3876967" y="2421213"/>
+            <a:ext cx="3796243" cy="2528414"/>
+          </a:xfrm>
+          <a:prstGeom prst="rect">
+            <a:avLst/>
+          </a:prstGeom>
+        </p:spPr>
+      </p:pic>
+      <p:sp>
+        <p:nvSpPr>
+          <p:cNvPr id="3" name="TextBox 2">
+            <a:extLst>
+              <a:ext uri="{FF2B5EF4-FFF2-40B4-BE49-F238E27FC236}">
+                <a16:creationId xmlns:a16="http://schemas.microsoft.com/office/drawing/2014/main" id="{91AFC277-EE70-4B87-BB07-BEBC996E4023}"/>
+              </a:ext>
+            </a:extLst>
+          </p:cNvPr>
+          <p:cNvSpPr txBox="1"/>
+          <p:nvPr/>
+        </p:nvSpPr>
+        <p:spPr>
+          <a:xfrm>
+            <a:off x="3836504" y="2176954"/>
+            <a:ext cx="3836706" cy="2646878"/>
+          </a:xfrm>
+          <a:prstGeom prst="rect">
+            <a:avLst/>
+          </a:prstGeom>
+          <a:noFill/>
+          <a:ln>
+            <a:solidFill>
+              <a:schemeClr val="tx2">
+                <a:lumMod val="90000"/>
+              </a:schemeClr>
+            </a:solidFill>
+          </a:ln>
+        </p:spPr>
+        <p:txBody>
+          <a:bodyPr wrap="square" rtlCol="0">
+            <a:spAutoFit/>
+          </a:bodyPr>
+          <a:lstStyle/>
+          <a:p>
+            <a:r>
+              <a:rPr lang="nl-NL" sz="2000" b="1" dirty="0">
+                <a:solidFill>
+                  <a:srgbClr val="FF9900"/>
+                </a:solidFill>
+              </a:rPr>
+              <a:t>TIP</a:t>
+            </a:r>
+          </a:p>
+          <a:p>
+            <a:endParaRPr lang="nl-NL" sz="2000" b="1" dirty="0">
+              <a:solidFill>
+                <a:srgbClr val="FF9900"/>
+              </a:solidFill>
+            </a:endParaRPr>
+          </a:p>
+          <a:p>
+            <a:endParaRPr lang="en-US" dirty="0">
+              <a:solidFill>
+                <a:srgbClr val="FF9900"/>
+              </a:solidFill>
+            </a:endParaRPr>
+          </a:p>
+          <a:p>
+            <a:endParaRPr lang="en-US" dirty="0">
+              <a:solidFill>
+                <a:srgbClr val="FF9900"/>
+              </a:solidFill>
+            </a:endParaRPr>
+          </a:p>
+          <a:p>
+            <a:endParaRPr lang="en-US" dirty="0">
+              <a:solidFill>
+                <a:srgbClr val="FF9900"/>
+              </a:solidFill>
+            </a:endParaRPr>
+          </a:p>
+          <a:p>
+            <a:endParaRPr lang="en-US" dirty="0">
+              <a:solidFill>
+                <a:srgbClr val="FF9900"/>
+              </a:solidFill>
+            </a:endParaRPr>
+          </a:p>
+          <a:p>
+            <a:endParaRPr lang="en-US" dirty="0">
+              <a:solidFill>
+                <a:srgbClr val="FF9900"/>
+              </a:solidFill>
+            </a:endParaRPr>
+          </a:p>
+          <a:p>
+            <a:endParaRPr lang="en-US" dirty="0">
+              <a:solidFill>
+                <a:srgbClr val="FF9900"/>
+              </a:solidFill>
+            </a:endParaRPr>
+          </a:p>
+          <a:p>
+            <a:endParaRPr lang="en-US" dirty="0">
+              <a:solidFill>
+                <a:srgbClr val="FF9900"/>
+              </a:solidFill>
+            </a:endParaRPr>
+          </a:p>
+          <a:p>
+            <a:endParaRPr lang="en-US" dirty="0">
+              <a:solidFill>
+                <a:srgbClr val="FF9900"/>
+              </a:solidFill>
+            </a:endParaRPr>
+          </a:p>
+          <a:p>
+            <a:endParaRPr lang="nl-NL" dirty="0"/>
+          </a:p>
+        </p:txBody>
+      </p:sp>
     </p:spTree>
     <p:extLst>
       <p:ext uri="{BB962C8B-B14F-4D97-AF65-F5344CB8AC3E}">

--- a/Devoxx4Kids Mindstorms Workshop NL.pptx
+++ b/Devoxx4Kids Mindstorms Workshop NL.pptx
@@ -5,8 +5,11 @@
     <p:sldMasterId id="2147483654" r:id="rId1"/>
   </p:sldMasterIdLst>
   <p:notesMasterIdLst>
-    <p:notesMasterId r:id="rId37"/>
+    <p:notesMasterId r:id="rId38"/>
   </p:notesMasterIdLst>
+  <p:handoutMasterIdLst>
+    <p:handoutMasterId r:id="rId39"/>
+  </p:handoutMasterIdLst>
   <p:sldIdLst>
     <p:sldId id="256" r:id="rId2"/>
     <p:sldId id="257" r:id="rId3"/>
@@ -43,6 +46,7 @@
     <p:sldId id="288" r:id="rId34"/>
     <p:sldId id="283" r:id="rId35"/>
     <p:sldId id="280" r:id="rId36"/>
+    <p:sldId id="293" r:id="rId37"/>
   </p:sldIdLst>
   <p:sldSz cx="9144000" cy="5143500" type="screen16x9"/>
   <p:notesSz cx="6858000" cy="9144000"/>
@@ -261,12 +265,197 @@
     <p:ext uri="{EFAFB233-063F-42B5-8137-9DF3F51BA10A}">
       <p15:sldGuideLst xmlns:p15="http://schemas.microsoft.com/office/powerpoint/2012/main"/>
     </p:ext>
+    <p:ext uri="{2D200454-40CA-4A62-9FC3-DE9A4176ACB9}">
+      <p15:notesGuideLst xmlns:p15="http://schemas.microsoft.com/office/powerpoint/2012/main"/>
+    </p:ext>
   </p:extLst>
 </p:presentation>
 </file>
 
-<file path=ppt/revisionInfo.xml><?xml version="1.0" encoding="utf-8"?>
-<p1510:revInfo xmlns:a="http://schemas.openxmlformats.org/drawingml/2006/main" xmlns:r="http://schemas.openxmlformats.org/officeDocument/2006/relationships" xmlns:p1510="http://schemas.microsoft.com/office/powerpoint/2015/10/main"/>
+<file path=ppt/handoutMasters/handoutMaster1.xml><?xml version="1.0" encoding="utf-8"?>
+<p:handoutMaster xmlns:a="http://schemas.openxmlformats.org/drawingml/2006/main" xmlns:r="http://schemas.openxmlformats.org/officeDocument/2006/relationships" xmlns:p="http://schemas.openxmlformats.org/presentationml/2006/main">
+  <p:cSld>
+    <p:bg>
+      <p:bgRef idx="1001">
+        <a:schemeClr val="bg1"/>
+      </p:bgRef>
+    </p:bg>
+    <p:spTree>
+      <p:nvGrpSpPr>
+        <p:cNvPr id="1" name=""/>
+        <p:cNvGrpSpPr/>
+        <p:nvPr/>
+      </p:nvGrpSpPr>
+      <p:grpSpPr>
+        <a:xfrm>
+          <a:off x="0" y="0"/>
+          <a:ext cx="0" cy="0"/>
+          <a:chOff x="0" y="0"/>
+          <a:chExt cx="0" cy="0"/>
+        </a:xfrm>
+      </p:grpSpPr>
+      <p:sp>
+        <p:nvSpPr>
+          <p:cNvPr id="2" name="Tijdelijke aanduiding voor koptekst 1">
+            <a:extLst>
+              <a:ext uri="{FF2B5EF4-FFF2-40B4-BE49-F238E27FC236}">
+                <a16:creationId xmlns:a16="http://schemas.microsoft.com/office/drawing/2014/main" id="{77CB2102-10EE-44E2-9456-FD2FD53C889C}"/>
+              </a:ext>
+            </a:extLst>
+          </p:cNvPr>
+          <p:cNvSpPr>
+            <a:spLocks noGrp="1"/>
+          </p:cNvSpPr>
+          <p:nvPr>
+            <p:ph type="hdr" sz="quarter"/>
+          </p:nvPr>
+        </p:nvSpPr>
+        <p:spPr>
+          <a:xfrm>
+            <a:off x="0" y="0"/>
+            <a:ext cx="2971800" cy="458788"/>
+          </a:xfrm>
+          <a:prstGeom prst="rect">
+            <a:avLst/>
+          </a:prstGeom>
+        </p:spPr>
+        <p:txBody>
+          <a:bodyPr vert="horz" lIns="91440" tIns="45720" rIns="91440" bIns="45720" rtlCol="0"/>
+          <a:lstStyle>
+            <a:lvl1pPr algn="l">
+              <a:defRPr sz="1200"/>
+            </a:lvl1pPr>
+          </a:lstStyle>
+          <a:p>
+            <a:endParaRPr lang="nl-NL"/>
+          </a:p>
+        </p:txBody>
+      </p:sp>
+      <p:sp>
+        <p:nvSpPr>
+          <p:cNvPr id="3" name="Tijdelijke aanduiding voor datum 2">
+            <a:extLst>
+              <a:ext uri="{FF2B5EF4-FFF2-40B4-BE49-F238E27FC236}">
+                <a16:creationId xmlns:a16="http://schemas.microsoft.com/office/drawing/2014/main" id="{BC8E252A-DFB7-41D8-8F78-9EEC42EA9BDE}"/>
+              </a:ext>
+            </a:extLst>
+          </p:cNvPr>
+          <p:cNvSpPr>
+            <a:spLocks noGrp="1"/>
+          </p:cNvSpPr>
+          <p:nvPr>
+            <p:ph type="dt" sz="quarter" idx="1"/>
+          </p:nvPr>
+        </p:nvSpPr>
+        <p:spPr>
+          <a:xfrm>
+            <a:off x="3884613" y="0"/>
+            <a:ext cx="2971800" cy="458788"/>
+          </a:xfrm>
+          <a:prstGeom prst="rect">
+            <a:avLst/>
+          </a:prstGeom>
+        </p:spPr>
+        <p:txBody>
+          <a:bodyPr vert="horz" lIns="91440" tIns="45720" rIns="91440" bIns="45720" rtlCol="0"/>
+          <a:lstStyle>
+            <a:lvl1pPr algn="r">
+              <a:defRPr sz="1200"/>
+            </a:lvl1pPr>
+          </a:lstStyle>
+          <a:p>
+            <a:endParaRPr lang="nl-NL"/>
+          </a:p>
+        </p:txBody>
+      </p:sp>
+      <p:sp>
+        <p:nvSpPr>
+          <p:cNvPr id="4" name="Tijdelijke aanduiding voor voettekst 3">
+            <a:extLst>
+              <a:ext uri="{FF2B5EF4-FFF2-40B4-BE49-F238E27FC236}">
+                <a16:creationId xmlns:a16="http://schemas.microsoft.com/office/drawing/2014/main" id="{A0F2447D-57FA-4453-8517-95C84F2C2B70}"/>
+              </a:ext>
+            </a:extLst>
+          </p:cNvPr>
+          <p:cNvSpPr>
+            <a:spLocks noGrp="1"/>
+          </p:cNvSpPr>
+          <p:nvPr>
+            <p:ph type="ftr" sz="quarter" idx="2"/>
+          </p:nvPr>
+        </p:nvSpPr>
+        <p:spPr>
+          <a:xfrm>
+            <a:off x="0" y="8685213"/>
+            <a:ext cx="2971800" cy="458787"/>
+          </a:xfrm>
+          <a:prstGeom prst="rect">
+            <a:avLst/>
+          </a:prstGeom>
+        </p:spPr>
+        <p:txBody>
+          <a:bodyPr vert="horz" lIns="91440" tIns="45720" rIns="91440" bIns="45720" rtlCol="0" anchor="b"/>
+          <a:lstStyle>
+            <a:lvl1pPr algn="l">
+              <a:defRPr sz="1200"/>
+            </a:lvl1pPr>
+          </a:lstStyle>
+          <a:p>
+            <a:endParaRPr lang="nl-NL"/>
+          </a:p>
+        </p:txBody>
+      </p:sp>
+      <p:sp>
+        <p:nvSpPr>
+          <p:cNvPr id="5" name="Tijdelijke aanduiding voor dianummer 4">
+            <a:extLst>
+              <a:ext uri="{FF2B5EF4-FFF2-40B4-BE49-F238E27FC236}">
+                <a16:creationId xmlns:a16="http://schemas.microsoft.com/office/drawing/2014/main" id="{505B87CA-08C7-404D-8DE4-08542643F2A3}"/>
+              </a:ext>
+            </a:extLst>
+          </p:cNvPr>
+          <p:cNvSpPr>
+            <a:spLocks noGrp="1"/>
+          </p:cNvSpPr>
+          <p:nvPr>
+            <p:ph type="sldNum" sz="quarter" idx="3"/>
+          </p:nvPr>
+        </p:nvSpPr>
+        <p:spPr>
+          <a:xfrm>
+            <a:off x="3884613" y="8685213"/>
+            <a:ext cx="2971800" cy="458787"/>
+          </a:xfrm>
+          <a:prstGeom prst="rect">
+            <a:avLst/>
+          </a:prstGeom>
+        </p:spPr>
+        <p:txBody>
+          <a:bodyPr vert="horz" lIns="91440" tIns="45720" rIns="91440" bIns="45720" rtlCol="0" anchor="b"/>
+          <a:lstStyle>
+            <a:lvl1pPr algn="r">
+              <a:defRPr sz="1200"/>
+            </a:lvl1pPr>
+          </a:lstStyle>
+          <a:p>
+            <a:fld id="{F0D121C8-06C8-4EAB-9081-FC1364134816}" type="slidenum">
+              <a:rPr lang="nl-NL" smtClean="0"/>
+              <a:t>‹nr.›</a:t>
+            </a:fld>
+            <a:endParaRPr lang="nl-NL"/>
+          </a:p>
+        </p:txBody>
+      </p:sp>
+    </p:spTree>
+    <p:extLst>
+      <p:ext uri="{BB962C8B-B14F-4D97-AF65-F5344CB8AC3E}">
+        <p14:creationId xmlns:p14="http://schemas.microsoft.com/office/powerpoint/2010/main" val="2460771714"/>
+      </p:ext>
+    </p:extLst>
+  </p:cSld>
+  <p:clrMap bg1="lt1" tx1="dk1" bg2="lt2" tx2="dk2" accent1="accent1" accent2="accent2" accent3="accent3" accent4="accent4" accent5="accent5" accent6="accent6" hlink="hlink" folHlink="folHlink"/>
+  <p:hf hdr="0" ftr="0"/>
+</p:handoutMaster>
 </file>
 
 <file path=ppt/notesMasters/notesMaster1.xml><?xml version="1.0" encoding="utf-8"?>
@@ -431,6 +620,7 @@
     </p:spTree>
   </p:cSld>
   <p:clrMap bg1="lt1" tx1="dk1" bg2="dk2" tx2="lt2" accent1="accent1" accent2="accent2" accent3="accent3" accent4="accent4" accent5="accent5" accent6="accent6" hlink="hlink" folHlink="folHlink"/>
+  <p:hf hdr="0" ftr="0"/>
   <p:notesStyle>
     <a:lvl1pPr marL="0" algn="l" defTabSz="914400" rtl="0" eaLnBrk="1" latinLnBrk="0" hangingPunct="1">
       <a:defRPr sz="1200" kern="1200">
@@ -14050,6 +14240,176 @@
   <p:transition spd="slow">
     <p:cut/>
   </p:transition>
+</p:sld>
+</file>
+
+<file path=ppt/slides/slide36.xml><?xml version="1.0" encoding="utf-8"?>
+<p:sld xmlns:a="http://schemas.openxmlformats.org/drawingml/2006/main" xmlns:r="http://schemas.openxmlformats.org/officeDocument/2006/relationships" xmlns:p="http://schemas.openxmlformats.org/presentationml/2006/main">
+  <p:cSld>
+    <p:spTree>
+      <p:nvGrpSpPr>
+        <p:cNvPr id="1" name=""/>
+        <p:cNvGrpSpPr/>
+        <p:nvPr/>
+      </p:nvGrpSpPr>
+      <p:grpSpPr>
+        <a:xfrm>
+          <a:off x="0" y="0"/>
+          <a:ext cx="0" cy="0"/>
+          <a:chOff x="0" y="0"/>
+          <a:chExt cx="0" cy="0"/>
+        </a:xfrm>
+      </p:grpSpPr>
+      <p:sp>
+        <p:nvSpPr>
+          <p:cNvPr id="2" name="Titel 1">
+            <a:extLst>
+              <a:ext uri="{FF2B5EF4-FFF2-40B4-BE49-F238E27FC236}">
+                <a16:creationId xmlns:a16="http://schemas.microsoft.com/office/drawing/2014/main" id="{74134554-0486-4A26-9375-93E80E98B42F}"/>
+              </a:ext>
+            </a:extLst>
+          </p:cNvPr>
+          <p:cNvSpPr>
+            <a:spLocks noGrp="1"/>
+          </p:cNvSpPr>
+          <p:nvPr>
+            <p:ph type="title"/>
+          </p:nvPr>
+        </p:nvSpPr>
+        <p:spPr/>
+        <p:txBody>
+          <a:bodyPr/>
+          <a:lstStyle/>
+          <a:p>
+            <a:r>
+              <a:rPr lang="en-US" dirty="0" err="1"/>
+              <a:t>Dat</a:t>
+            </a:r>
+            <a:r>
+              <a:rPr lang="en-US"/>
+              <a:t> was het…</a:t>
+            </a:r>
+            <a:endParaRPr lang="nl-NL" dirty="0"/>
+          </a:p>
+        </p:txBody>
+      </p:sp>
+      <p:sp>
+        <p:nvSpPr>
+          <p:cNvPr id="3" name="Tijdelijke aanduiding voor tekst 2">
+            <a:extLst>
+              <a:ext uri="{FF2B5EF4-FFF2-40B4-BE49-F238E27FC236}">
+                <a16:creationId xmlns:a16="http://schemas.microsoft.com/office/drawing/2014/main" id="{75F69F98-B4B4-4B23-BE2B-D6A4DE82BBE7}"/>
+              </a:ext>
+            </a:extLst>
+          </p:cNvPr>
+          <p:cNvSpPr>
+            <a:spLocks noGrp="1"/>
+          </p:cNvSpPr>
+          <p:nvPr>
+            <p:ph type="body" idx="1"/>
+          </p:nvPr>
+        </p:nvSpPr>
+        <p:spPr/>
+        <p:txBody>
+          <a:bodyPr/>
+          <a:lstStyle/>
+          <a:p>
+            <a:pPr algn="ctr"/>
+            <a:endParaRPr lang="en-US" dirty="0"/>
+          </a:p>
+          <a:p>
+            <a:pPr algn="ctr"/>
+            <a:endParaRPr lang="en-US" dirty="0"/>
+          </a:p>
+          <a:p>
+            <a:pPr algn="ctr"/>
+            <a:r>
+              <a:rPr lang="en-US" dirty="0" err="1"/>
+              <a:t>Leuk</a:t>
+            </a:r>
+            <a:r>
+              <a:rPr lang="en-US" dirty="0"/>
+              <a:t> </a:t>
+            </a:r>
+            <a:r>
+              <a:rPr lang="en-US" dirty="0" err="1"/>
+              <a:t>dat</a:t>
+            </a:r>
+            <a:r>
+              <a:rPr lang="en-US" dirty="0"/>
+              <a:t> </a:t>
+            </a:r>
+            <a:r>
+              <a:rPr lang="en-US" dirty="0" err="1">
+                <a:solidFill>
+                  <a:srgbClr val="FF9900"/>
+                </a:solidFill>
+              </a:rPr>
+              <a:t>jij</a:t>
+            </a:r>
+            <a:r>
+              <a:rPr lang="en-US" dirty="0"/>
+              <a:t> </a:t>
+            </a:r>
+            <a:r>
+              <a:rPr lang="en-US" dirty="0" err="1"/>
+              <a:t>er</a:t>
+            </a:r>
+            <a:r>
+              <a:rPr lang="en-US" dirty="0"/>
+              <a:t> was!</a:t>
+            </a:r>
+          </a:p>
+          <a:p>
+            <a:pPr algn="ctr"/>
+            <a:endParaRPr lang="en-US" dirty="0"/>
+          </a:p>
+          <a:p>
+            <a:pPr algn="ctr"/>
+            <a:endParaRPr lang="nl-NL" dirty="0"/>
+          </a:p>
+        </p:txBody>
+      </p:sp>
+      <p:pic>
+        <p:nvPicPr>
+          <p:cNvPr id="7" name="Afbeelding 6">
+            <a:extLst>
+              <a:ext uri="{FF2B5EF4-FFF2-40B4-BE49-F238E27FC236}">
+                <a16:creationId xmlns:a16="http://schemas.microsoft.com/office/drawing/2014/main" id="{49966FBC-826D-43FF-A539-A7A253F51BC9}"/>
+              </a:ext>
+            </a:extLst>
+          </p:cNvPr>
+          <p:cNvPicPr>
+            <a:picLocks noChangeAspect="1"/>
+          </p:cNvPicPr>
+          <p:nvPr/>
+        </p:nvPicPr>
+        <p:blipFill>
+          <a:blip r:embed="rId2"/>
+          <a:stretch>
+            <a:fillRect/>
+          </a:stretch>
+        </p:blipFill>
+        <p:spPr>
+          <a:xfrm>
+            <a:off x="3025140" y="2675204"/>
+            <a:ext cx="3093720" cy="1077646"/>
+          </a:xfrm>
+          <a:prstGeom prst="rect">
+            <a:avLst/>
+          </a:prstGeom>
+        </p:spPr>
+      </p:pic>
+    </p:spTree>
+    <p:extLst>
+      <p:ext uri="{BB962C8B-B14F-4D97-AF65-F5344CB8AC3E}">
+        <p14:creationId xmlns:p14="http://schemas.microsoft.com/office/powerpoint/2010/main" val="4129142248"/>
+      </p:ext>
+    </p:extLst>
+  </p:cSld>
+  <p:clrMapOvr>
+    <a:masterClrMapping/>
+  </p:clrMapOvr>
 </p:sld>
 </file>
 
@@ -16696,4 +17056,299 @@
   <a:objectDefaults/>
   <a:extraClrSchemeLst/>
 </a:theme>
+</file>
+
+<file path=ppt/theme/theme3.xml><?xml version="1.0" encoding="utf-8"?>
+<a:theme xmlns:a="http://schemas.openxmlformats.org/drawingml/2006/main" name="Kantoorthema">
+  <a:themeElements>
+    <a:clrScheme name="Kantoor">
+      <a:dk1>
+        <a:sysClr val="windowText" lastClr="000000"/>
+      </a:dk1>
+      <a:lt1>
+        <a:sysClr val="window" lastClr="FFFFFF"/>
+      </a:lt1>
+      <a:dk2>
+        <a:srgbClr val="44546A"/>
+      </a:dk2>
+      <a:lt2>
+        <a:srgbClr val="E7E6E6"/>
+      </a:lt2>
+      <a:accent1>
+        <a:srgbClr val="4472C4"/>
+      </a:accent1>
+      <a:accent2>
+        <a:srgbClr val="ED7D31"/>
+      </a:accent2>
+      <a:accent3>
+        <a:srgbClr val="A5A5A5"/>
+      </a:accent3>
+      <a:accent4>
+        <a:srgbClr val="FFC000"/>
+      </a:accent4>
+      <a:accent5>
+        <a:srgbClr val="5B9BD5"/>
+      </a:accent5>
+      <a:accent6>
+        <a:srgbClr val="70AD47"/>
+      </a:accent6>
+      <a:hlink>
+        <a:srgbClr val="0563C1"/>
+      </a:hlink>
+      <a:folHlink>
+        <a:srgbClr val="954F72"/>
+      </a:folHlink>
+    </a:clrScheme>
+    <a:fontScheme name="Kantoor">
+      <a:majorFont>
+        <a:latin typeface="Calibri Light" panose="020F0302020204030204"/>
+        <a:ea typeface=""/>
+        <a:cs typeface=""/>
+        <a:font script="Jpan" typeface="游ゴシック Light"/>
+        <a:font script="Hang" typeface="맑은 고딕"/>
+        <a:font script="Hans" typeface="等线 Light"/>
+        <a:font script="Hant" typeface="新細明體"/>
+        <a:font script="Arab" typeface="Times New Roman"/>
+        <a:font script="Hebr" typeface="Times New Roman"/>
+        <a:font script="Thai" typeface="Angsana New"/>
+        <a:font script="Ethi" typeface="Nyala"/>
+        <a:font script="Beng" typeface="Vrinda"/>
+        <a:font script="Gujr" typeface="Shruti"/>
+        <a:font script="Khmr" typeface="MoolBoran"/>
+        <a:font script="Knda" typeface="Tunga"/>
+        <a:font script="Guru" typeface="Raavi"/>
+        <a:font script="Cans" typeface="Euphemia"/>
+        <a:font script="Cher" typeface="Plantagenet Cherokee"/>
+        <a:font script="Yiii" typeface="Microsoft Yi Baiti"/>
+        <a:font script="Tibt" typeface="Microsoft Himalaya"/>
+        <a:font script="Thaa" typeface="MV Boli"/>
+        <a:font script="Deva" typeface="Mangal"/>
+        <a:font script="Telu" typeface="Gautami"/>
+        <a:font script="Taml" typeface="Latha"/>
+        <a:font script="Syrc" typeface="Estrangelo Edessa"/>
+        <a:font script="Orya" typeface="Kalinga"/>
+        <a:font script="Mlym" typeface="Kartika"/>
+        <a:font script="Laoo" typeface="DokChampa"/>
+        <a:font script="Sinh" typeface="Iskoola Pota"/>
+        <a:font script="Mong" typeface="Mongolian Baiti"/>
+        <a:font script="Viet" typeface="Times New Roman"/>
+        <a:font script="Uigh" typeface="Microsoft Uighur"/>
+        <a:font script="Geor" typeface="Sylfaen"/>
+        <a:font script="Armn" typeface="Arial"/>
+        <a:font script="Bugi" typeface="Leelawadee UI"/>
+        <a:font script="Bopo" typeface="Microsoft JhengHei"/>
+        <a:font script="Java" typeface="Javanese Text"/>
+        <a:font script="Lisu" typeface="Segoe UI"/>
+        <a:font script="Mymr" typeface="Myanmar Text"/>
+        <a:font script="Nkoo" typeface="Ebrima"/>
+        <a:font script="Olck" typeface="Nirmala UI"/>
+        <a:font script="Osma" typeface="Ebrima"/>
+        <a:font script="Phag" typeface="Phagspa"/>
+        <a:font script="Syrn" typeface="Estrangelo Edessa"/>
+        <a:font script="Syrj" typeface="Estrangelo Edessa"/>
+        <a:font script="Syre" typeface="Estrangelo Edessa"/>
+        <a:font script="Sora" typeface="Nirmala UI"/>
+        <a:font script="Tale" typeface="Microsoft Tai Le"/>
+        <a:font script="Talu" typeface="Microsoft New Tai Lue"/>
+        <a:font script="Tfng" typeface="Ebrima"/>
+      </a:majorFont>
+      <a:minorFont>
+        <a:latin typeface="Calibri" panose="020F0502020204030204"/>
+        <a:ea typeface=""/>
+        <a:cs typeface=""/>
+        <a:font script="Jpan" typeface="游ゴシック"/>
+        <a:font script="Hang" typeface="맑은 고딕"/>
+        <a:font script="Hans" typeface="等线"/>
+        <a:font script="Hant" typeface="新細明體"/>
+        <a:font script="Arab" typeface="Arial"/>
+        <a:font script="Hebr" typeface="Arial"/>
+        <a:font script="Thai" typeface="Cordia New"/>
+        <a:font script="Ethi" typeface="Nyala"/>
+        <a:font script="Beng" typeface="Vrinda"/>
+        <a:font script="Gujr" typeface="Shruti"/>
+        <a:font script="Khmr" typeface="DaunPenh"/>
+        <a:font script="Knda" typeface="Tunga"/>
+        <a:font script="Guru" typeface="Raavi"/>
+        <a:font script="Cans" typeface="Euphemia"/>
+        <a:font script="Cher" typeface="Plantagenet Cherokee"/>
+        <a:font script="Yiii" typeface="Microsoft Yi Baiti"/>
+        <a:font script="Tibt" typeface="Microsoft Himalaya"/>
+        <a:font script="Thaa" typeface="MV Boli"/>
+        <a:font script="Deva" typeface="Mangal"/>
+        <a:font script="Telu" typeface="Gautami"/>
+        <a:font script="Taml" typeface="Latha"/>
+        <a:font script="Syrc" typeface="Estrangelo Edessa"/>
+        <a:font script="Orya" typeface="Kalinga"/>
+        <a:font script="Mlym" typeface="Kartika"/>
+        <a:font script="Laoo" typeface="DokChampa"/>
+        <a:font script="Sinh" typeface="Iskoola Pota"/>
+        <a:font script="Mong" typeface="Mongolian Baiti"/>
+        <a:font script="Viet" typeface="Arial"/>
+        <a:font script="Uigh" typeface="Microsoft Uighur"/>
+        <a:font script="Geor" typeface="Sylfaen"/>
+        <a:font script="Armn" typeface="Arial"/>
+        <a:font script="Bugi" typeface="Leelawadee UI"/>
+        <a:font script="Bopo" typeface="Microsoft JhengHei"/>
+        <a:font script="Java" typeface="Javanese Text"/>
+        <a:font script="Lisu" typeface="Segoe UI"/>
+        <a:font script="Mymr" typeface="Myanmar Text"/>
+        <a:font script="Nkoo" typeface="Ebrima"/>
+        <a:font script="Olck" typeface="Nirmala UI"/>
+        <a:font script="Osma" typeface="Ebrima"/>
+        <a:font script="Phag" typeface="Phagspa"/>
+        <a:font script="Syrn" typeface="Estrangelo Edessa"/>
+        <a:font script="Syrj" typeface="Estrangelo Edessa"/>
+        <a:font script="Syre" typeface="Estrangelo Edessa"/>
+        <a:font script="Sora" typeface="Nirmala UI"/>
+        <a:font script="Tale" typeface="Microsoft Tai Le"/>
+        <a:font script="Talu" typeface="Microsoft New Tai Lue"/>
+        <a:font script="Tfng" typeface="Ebrima"/>
+      </a:minorFont>
+    </a:fontScheme>
+    <a:fmtScheme name="Kantoor">
+      <a:fillStyleLst>
+        <a:solidFill>
+          <a:schemeClr val="phClr"/>
+        </a:solidFill>
+        <a:gradFill rotWithShape="1">
+          <a:gsLst>
+            <a:gs pos="0">
+              <a:schemeClr val="phClr">
+                <a:lumMod val="110000"/>
+                <a:satMod val="105000"/>
+                <a:tint val="67000"/>
+              </a:schemeClr>
+            </a:gs>
+            <a:gs pos="50000">
+              <a:schemeClr val="phClr">
+                <a:lumMod val="105000"/>
+                <a:satMod val="103000"/>
+                <a:tint val="73000"/>
+              </a:schemeClr>
+            </a:gs>
+            <a:gs pos="100000">
+              <a:schemeClr val="phClr">
+                <a:lumMod val="105000"/>
+                <a:satMod val="109000"/>
+                <a:tint val="81000"/>
+              </a:schemeClr>
+            </a:gs>
+          </a:gsLst>
+          <a:lin ang="5400000" scaled="0"/>
+        </a:gradFill>
+        <a:gradFill rotWithShape="1">
+          <a:gsLst>
+            <a:gs pos="0">
+              <a:schemeClr val="phClr">
+                <a:satMod val="103000"/>
+                <a:lumMod val="102000"/>
+                <a:tint val="94000"/>
+              </a:schemeClr>
+            </a:gs>
+            <a:gs pos="50000">
+              <a:schemeClr val="phClr">
+                <a:satMod val="110000"/>
+                <a:lumMod val="100000"/>
+                <a:shade val="100000"/>
+              </a:schemeClr>
+            </a:gs>
+            <a:gs pos="100000">
+              <a:schemeClr val="phClr">
+                <a:lumMod val="99000"/>
+                <a:satMod val="120000"/>
+                <a:shade val="78000"/>
+              </a:schemeClr>
+            </a:gs>
+          </a:gsLst>
+          <a:lin ang="5400000" scaled="0"/>
+        </a:gradFill>
+      </a:fillStyleLst>
+      <a:lnStyleLst>
+        <a:ln w="6350" cap="flat" cmpd="sng" algn="ctr">
+          <a:solidFill>
+            <a:schemeClr val="phClr"/>
+          </a:solidFill>
+          <a:prstDash val="solid"/>
+          <a:miter lim="800000"/>
+        </a:ln>
+        <a:ln w="12700" cap="flat" cmpd="sng" algn="ctr">
+          <a:solidFill>
+            <a:schemeClr val="phClr"/>
+          </a:solidFill>
+          <a:prstDash val="solid"/>
+          <a:miter lim="800000"/>
+        </a:ln>
+        <a:ln w="19050" cap="flat" cmpd="sng" algn="ctr">
+          <a:solidFill>
+            <a:schemeClr val="phClr"/>
+          </a:solidFill>
+          <a:prstDash val="solid"/>
+          <a:miter lim="800000"/>
+        </a:ln>
+      </a:lnStyleLst>
+      <a:effectStyleLst>
+        <a:effectStyle>
+          <a:effectLst/>
+        </a:effectStyle>
+        <a:effectStyle>
+          <a:effectLst/>
+        </a:effectStyle>
+        <a:effectStyle>
+          <a:effectLst>
+            <a:outerShdw blurRad="57150" dist="19050" dir="5400000" algn="ctr" rotWithShape="0">
+              <a:srgbClr val="000000">
+                <a:alpha val="63000"/>
+              </a:srgbClr>
+            </a:outerShdw>
+          </a:effectLst>
+        </a:effectStyle>
+      </a:effectStyleLst>
+      <a:bgFillStyleLst>
+        <a:solidFill>
+          <a:schemeClr val="phClr"/>
+        </a:solidFill>
+        <a:solidFill>
+          <a:schemeClr val="phClr">
+            <a:tint val="95000"/>
+            <a:satMod val="170000"/>
+          </a:schemeClr>
+        </a:solidFill>
+        <a:gradFill rotWithShape="1">
+          <a:gsLst>
+            <a:gs pos="0">
+              <a:schemeClr val="phClr">
+                <a:tint val="93000"/>
+                <a:satMod val="150000"/>
+                <a:shade val="98000"/>
+                <a:lumMod val="102000"/>
+              </a:schemeClr>
+            </a:gs>
+            <a:gs pos="50000">
+              <a:schemeClr val="phClr">
+                <a:tint val="98000"/>
+                <a:satMod val="130000"/>
+                <a:shade val="90000"/>
+                <a:lumMod val="103000"/>
+              </a:schemeClr>
+            </a:gs>
+            <a:gs pos="100000">
+              <a:schemeClr val="phClr">
+                <a:shade val="63000"/>
+                <a:satMod val="120000"/>
+              </a:schemeClr>
+            </a:gs>
+          </a:gsLst>
+          <a:lin ang="5400000" scaled="0"/>
+        </a:gradFill>
+      </a:bgFillStyleLst>
+    </a:fmtScheme>
+  </a:themeElements>
+  <a:objectDefaults/>
+  <a:extraClrSchemeLst/>
+  <a:extLst>
+    <a:ext uri="{05A4C25C-085E-4340-85A3-A5531E510DB2}">
+      <thm15:themeFamily xmlns:thm15="http://schemas.microsoft.com/office/thememl/2012/main" name="Office Theme" id="{62F939B6-93AF-4DB8-9C6B-D6C7DFDC589F}" vid="{4A3C46E8-61CC-4603-A589-7422A47A8E4A}"/>
+    </a:ext>
+  </a:extLst>
+</a:theme>
 </file>
--- a/Devoxx4Kids Mindstorms Workshop NL.pptx
+++ b/Devoxx4Kids Mindstorms Workshop NL.pptx
@@ -270,6 +270,10 @@
     </p:ext>
   </p:extLst>
 </p:presentation>
+</file>
+
+<file path=ppt/revisionInfo.xml><?xml version="1.0" encoding="utf-8"?>
+<p1510:revInfo xmlns:a="http://schemas.openxmlformats.org/drawingml/2006/main" xmlns:r="http://schemas.openxmlformats.org/officeDocument/2006/relationships" xmlns:p1510="http://schemas.microsoft.com/office/powerpoint/2015/10/main"/>
 </file>
 
 <file path=ppt/handoutMasters/handoutMaster1.xml><?xml version="1.0" encoding="utf-8"?>
@@ -6514,7 +6518,7 @@
             </a:r>
             <a:r>
               <a:rPr lang="nl-NL" sz="1800" dirty="0"/>
-              <a:t>Draai het programma (Klik op het mapje, kies TRACK3R, kies Program2)</a:t>
+              <a:t>Draai het programma (Klik op het mapje, kies Begin, kies Missie 2)</a:t>
             </a:r>
             <a:endParaRPr lang="en" sz="1800" dirty="0">
               <a:solidFill>
@@ -6697,7 +6701,7 @@
             </a:r>
             <a:r>
               <a:rPr lang="nl-NL" dirty="0"/>
-              <a:t>Ga verder met het vorige programma</a:t>
+              <a:t>Ga verder met het vorige programma (Missie 2)</a:t>
             </a:r>
             <a:endParaRPr lang="en" dirty="0"/>
           </a:p>
@@ -8344,7 +8348,7 @@
             </a:r>
             <a:r>
               <a:rPr lang="nl-NL" sz="1800" dirty="0"/>
-              <a:t>(Klik op het mapje, kies TRACK3R, kies Program2)</a:t>
+              <a:t>(Klik op het mapje, kies Begin, kies Missie 2)</a:t>
             </a:r>
             <a:endParaRPr lang="en" sz="1800" dirty="0">
               <a:solidFill>
@@ -13742,7 +13746,7 @@
               </a:lnSpc>
             </a:pPr>
             <a:r>
-              <a:rPr lang="en" sz="1800">
+              <a:rPr lang="en" sz="1800" dirty="0">
                 <a:solidFill>
                   <a:schemeClr val="dk1"/>
                 </a:solidFill>
@@ -13767,7 +13771,7 @@
             </a:r>
             <a:r>
               <a:rPr lang="nl-NL" sz="1800" dirty="0"/>
-              <a:t>(Klik op het mapje, kies TRACK3R, kies Missie 4)</a:t>
+              <a:t>(Klik op het mapje, kies Begin, kies Missie 4)</a:t>
             </a:r>
             <a:endParaRPr lang="en" sz="1800" dirty="0">
               <a:solidFill>
@@ -16040,7 +16044,7 @@
             </a:r>
             <a:r>
               <a:rPr lang="nl-NL" sz="1800" dirty="0"/>
-              <a:t>Draai het programma (Klik op het mapje, kies TRACK3R, kies Program)</a:t>
+              <a:t>Draai het programma (Klik op het mapje, kies Begin, kies Missie 1)</a:t>
             </a:r>
             <a:endParaRPr lang="en" sz="1800" dirty="0">
               <a:solidFill>
